--- a/Presentations/Presentation3_Progress.pptx
+++ b/Presentations/Presentation3_Progress.pptx
@@ -10,7 +10,13 @@
     <p:sldId id="260" r:id="rId4"/>
     <p:sldId id="259" r:id="rId5"/>
     <p:sldId id="266" r:id="rId6"/>
-    <p:sldId id="264" r:id="rId7"/>
+    <p:sldId id="267" r:id="rId7"/>
+    <p:sldId id="268" r:id="rId8"/>
+    <p:sldId id="269" r:id="rId9"/>
+    <p:sldId id="270" r:id="rId10"/>
+    <p:sldId id="271" r:id="rId11"/>
+    <p:sldId id="272" r:id="rId12"/>
+    <p:sldId id="264" r:id="rId13"/>
   </p:sldIdLst>
   <p:sldSz cx="9144000" cy="6858000" type="screen4x3"/>
   <p:notesSz cx="6858000" cy="9144000"/>
@@ -315,19 +321,19 @@
                   <c:v>0.9</c:v>
                 </c:pt>
                 <c:pt idx="1">
-                  <c:v>0.3</c:v>
+                  <c:v>0.7</c:v>
                 </c:pt>
                 <c:pt idx="2">
-                  <c:v>0.7</c:v>
+                  <c:v>0.6</c:v>
                 </c:pt>
                 <c:pt idx="3">
-                  <c:v>0.2</c:v>
+                  <c:v>0.25</c:v>
                 </c:pt>
                 <c:pt idx="4">
-                  <c:v>0.2</c:v>
+                  <c:v>0.5</c:v>
                 </c:pt>
                 <c:pt idx="5">
-                  <c:v>0.2</c:v>
+                  <c:v>0.6</c:v>
                 </c:pt>
                 <c:pt idx="6">
                   <c:v>0.2</c:v>
@@ -422,22 +428,22 @@
                 <c:formatCode>0%</c:formatCode>
                 <c:ptCount val="7"/>
                 <c:pt idx="0">
-                  <c:v>0.1</c:v>
+                  <c:v>0.9</c:v>
                 </c:pt>
                 <c:pt idx="1">
-                  <c:v>0.1</c:v>
+                  <c:v>0.9</c:v>
                 </c:pt>
                 <c:pt idx="2">
-                  <c:v>0.1</c:v>
+                  <c:v>0.85</c:v>
                 </c:pt>
                 <c:pt idx="3">
-                  <c:v>0.1</c:v>
+                  <c:v>0.3</c:v>
                 </c:pt>
                 <c:pt idx="4">
-                  <c:v>0.15</c:v>
+                  <c:v>0.7</c:v>
                 </c:pt>
                 <c:pt idx="5">
-                  <c:v>0.05</c:v>
+                  <c:v>0.6</c:v>
                 </c:pt>
                 <c:pt idx="6">
                   <c:v>0.2</c:v>
@@ -566,11 +572,11 @@
         </c:dLbls>
         <c:gapWidth val="115"/>
         <c:overlap val="-20"/>
-        <c:axId val="244735992"/>
-        <c:axId val="244736776"/>
+        <c:axId val="4988360"/>
+        <c:axId val="4988752"/>
       </c:barChart>
       <c:catAx>
-        <c:axId val="244735992"/>
+        <c:axId val="4988360"/>
         <c:scaling>
           <c:orientation val="minMax"/>
         </c:scaling>
@@ -612,7 +618,7 @@
             <a:endParaRPr lang="fr-FR"/>
           </a:p>
         </c:txPr>
-        <c:crossAx val="244736776"/>
+        <c:crossAx val="4988752"/>
         <c:crosses val="autoZero"/>
         <c:auto val="1"/>
         <c:lblAlgn val="ctr"/>
@@ -620,7 +626,7 @@
         <c:noMultiLvlLbl val="0"/>
       </c:catAx>
       <c:valAx>
-        <c:axId val="244736776"/>
+        <c:axId val="4988752"/>
         <c:scaling>
           <c:orientation val="minMax"/>
         </c:scaling>
@@ -670,7 +676,7 @@
             <a:endParaRPr lang="fr-FR"/>
           </a:p>
         </c:txPr>
-        <c:crossAx val="244735992"/>
+        <c:crossAx val="4988360"/>
         <c:crosses val="autoZero"/>
         <c:crossBetween val="between"/>
       </c:valAx>
@@ -18219,6 +18225,379 @@
 </p:sld>
 </file>
 
+<file path=ppt/slides/slide10.xml><?xml version="1.0" encoding="utf-8"?>
+<p:sld xmlns:a="http://schemas.openxmlformats.org/drawingml/2006/main" xmlns:r="http://schemas.openxmlformats.org/officeDocument/2006/relationships" xmlns:p="http://schemas.openxmlformats.org/presentationml/2006/main">
+  <p:cSld>
+    <p:spTree>
+      <p:nvGrpSpPr>
+        <p:cNvPr id="1" name=""/>
+        <p:cNvGrpSpPr/>
+        <p:nvPr/>
+      </p:nvGrpSpPr>
+      <p:grpSpPr>
+        <a:xfrm>
+          <a:off x="0" y="0"/>
+          <a:ext cx="0" cy="0"/>
+          <a:chOff x="0" y="0"/>
+          <a:chExt cx="0" cy="0"/>
+        </a:xfrm>
+      </p:grpSpPr>
+      <p:sp>
+        <p:nvSpPr>
+          <p:cNvPr id="2" name="Title 1"/>
+          <p:cNvSpPr>
+            <a:spLocks noGrp="1"/>
+          </p:cNvSpPr>
+          <p:nvPr>
+            <p:ph type="title"/>
+          </p:nvPr>
+        </p:nvSpPr>
+        <p:spPr>
+          <a:xfrm>
+            <a:off x="712788" y="1267013"/>
+            <a:ext cx="7716837" cy="1447800"/>
+          </a:xfrm>
+        </p:spPr>
+        <p:txBody>
+          <a:bodyPr/>
+          <a:lstStyle/>
+          <a:p>
+            <a:r>
+              <a:rPr lang="en-US" dirty="0"/>
+              <a:t>Social awareness</a:t>
+            </a:r>
+          </a:p>
+        </p:txBody>
+      </p:sp>
+      <p:sp>
+        <p:nvSpPr>
+          <p:cNvPr id="5" name="Content Placeholder 4"/>
+          <p:cNvSpPr>
+            <a:spLocks noGrp="1"/>
+          </p:cNvSpPr>
+          <p:nvPr>
+            <p:ph idx="1"/>
+          </p:nvPr>
+        </p:nvSpPr>
+        <p:spPr/>
+        <p:txBody>
+          <a:bodyPr>
+            <a:normAutofit fontScale="85000" lnSpcReduction="20000"/>
+          </a:bodyPr>
+          <a:lstStyle/>
+          <a:p>
+            <a:r>
+              <a:rPr lang="en-US" dirty="0" smtClean="0"/>
+              <a:t>What we have done</a:t>
+            </a:r>
+          </a:p>
+          <a:p>
+            <a:pPr lvl="1"/>
+            <a:r>
+              <a:rPr lang="en-US" dirty="0" smtClean="0"/>
+              <a:t>Typical users of car pooling</a:t>
+            </a:r>
+          </a:p>
+          <a:p>
+            <a:pPr lvl="1"/>
+            <a:r>
+              <a:rPr lang="en-US" dirty="0" smtClean="0"/>
+              <a:t>People’s motivations to use car pooling</a:t>
+            </a:r>
+          </a:p>
+          <a:p>
+            <a:pPr lvl="1"/>
+            <a:r>
+              <a:rPr lang="en-US" dirty="0" smtClean="0"/>
+              <a:t>Why people avoid carpooling</a:t>
+            </a:r>
+          </a:p>
+          <a:p>
+            <a:pPr marL="349250" lvl="1" indent="0">
+              <a:buNone/>
+            </a:pPr>
+            <a:endParaRPr lang="en-US" dirty="0" smtClean="0"/>
+          </a:p>
+          <a:p>
+            <a:r>
+              <a:rPr lang="en-US" dirty="0" smtClean="0"/>
+              <a:t>What we have to </a:t>
+            </a:r>
+            <a:r>
+              <a:rPr lang="en-US" dirty="0" smtClean="0"/>
+              <a:t>do</a:t>
+            </a:r>
+          </a:p>
+          <a:p>
+            <a:pPr lvl="1"/>
+            <a:r>
+              <a:rPr lang="en-US" dirty="0" smtClean="0"/>
+              <a:t>Possible evolutions of the business</a:t>
+            </a:r>
+          </a:p>
+          <a:p>
+            <a:pPr lvl="1"/>
+            <a:r>
+              <a:rPr lang="en-US" dirty="0" smtClean="0"/>
+              <a:t>Design</a:t>
+            </a:r>
+            <a:endParaRPr lang="en-US" dirty="0" smtClean="0"/>
+          </a:p>
+          <a:p>
+            <a:endParaRPr lang="en-US" dirty="0"/>
+          </a:p>
+        </p:txBody>
+      </p:sp>
+    </p:spTree>
+    <p:extLst>
+      <p:ext uri="{BB962C8B-B14F-4D97-AF65-F5344CB8AC3E}">
+        <p14:creationId xmlns:p14="http://schemas.microsoft.com/office/powerpoint/2010/main" val="1594158151"/>
+      </p:ext>
+    </p:extLst>
+  </p:cSld>
+  <p:clrMapOvr>
+    <a:masterClrMapping/>
+  </p:clrMapOvr>
+</p:sld>
+</file>
+
+<file path=ppt/slides/slide11.xml><?xml version="1.0" encoding="utf-8"?>
+<p:sld xmlns:a="http://schemas.openxmlformats.org/drawingml/2006/main" xmlns:r="http://schemas.openxmlformats.org/officeDocument/2006/relationships" xmlns:p="http://schemas.openxmlformats.org/presentationml/2006/main">
+  <p:cSld>
+    <p:spTree>
+      <p:nvGrpSpPr>
+        <p:cNvPr id="1" name=""/>
+        <p:cNvGrpSpPr/>
+        <p:nvPr/>
+      </p:nvGrpSpPr>
+      <p:grpSpPr>
+        <a:xfrm>
+          <a:off x="0" y="0"/>
+          <a:ext cx="0" cy="0"/>
+          <a:chOff x="0" y="0"/>
+          <a:chExt cx="0" cy="0"/>
+        </a:xfrm>
+      </p:grpSpPr>
+      <p:sp>
+        <p:nvSpPr>
+          <p:cNvPr id="2" name="Title 1"/>
+          <p:cNvSpPr>
+            <a:spLocks noGrp="1"/>
+          </p:cNvSpPr>
+          <p:nvPr>
+            <p:ph type="title"/>
+          </p:nvPr>
+        </p:nvSpPr>
+        <p:spPr>
+          <a:xfrm>
+            <a:off x="712788" y="1267013"/>
+            <a:ext cx="7716837" cy="1447800"/>
+          </a:xfrm>
+        </p:spPr>
+        <p:txBody>
+          <a:bodyPr/>
+          <a:lstStyle/>
+          <a:p>
+            <a:r>
+              <a:rPr lang="en-US" dirty="0"/>
+              <a:t>Challenges</a:t>
+            </a:r>
+          </a:p>
+        </p:txBody>
+      </p:sp>
+      <p:sp>
+        <p:nvSpPr>
+          <p:cNvPr id="5" name="Content Placeholder 4"/>
+          <p:cNvSpPr>
+            <a:spLocks noGrp="1"/>
+          </p:cNvSpPr>
+          <p:nvPr>
+            <p:ph idx="1"/>
+          </p:nvPr>
+        </p:nvSpPr>
+        <p:spPr/>
+        <p:txBody>
+          <a:bodyPr>
+            <a:normAutofit/>
+          </a:bodyPr>
+          <a:lstStyle/>
+          <a:p>
+            <a:r>
+              <a:rPr lang="en-US" dirty="0" smtClean="0"/>
+              <a:t>What we have </a:t>
+            </a:r>
+            <a:r>
+              <a:rPr lang="en-US" dirty="0" smtClean="0"/>
+              <a:t>done</a:t>
+            </a:r>
+            <a:endParaRPr lang="en-US" dirty="0" smtClean="0"/>
+          </a:p>
+          <a:p>
+            <a:r>
+              <a:rPr lang="en-US" dirty="0" smtClean="0"/>
+              <a:t>What we have to </a:t>
+            </a:r>
+            <a:r>
+              <a:rPr lang="en-US" dirty="0" smtClean="0"/>
+              <a:t>do</a:t>
+            </a:r>
+          </a:p>
+          <a:p>
+            <a:pPr lvl="1"/>
+            <a:r>
+              <a:rPr lang="en-US" dirty="0" smtClean="0"/>
+              <a:t>Possibility to group carpooling systems</a:t>
+            </a:r>
+          </a:p>
+          <a:p>
+            <a:pPr lvl="1"/>
+            <a:r>
+              <a:rPr lang="en-US" dirty="0" smtClean="0"/>
+              <a:t>International law encouraging carpooling</a:t>
+            </a:r>
+          </a:p>
+          <a:p>
+            <a:pPr lvl="1"/>
+            <a:r>
+              <a:rPr lang="en-US" dirty="0" smtClean="0"/>
+              <a:t>Design</a:t>
+            </a:r>
+            <a:endParaRPr lang="en-US" dirty="0" smtClean="0"/>
+          </a:p>
+          <a:p>
+            <a:endParaRPr lang="en-US" dirty="0"/>
+          </a:p>
+        </p:txBody>
+      </p:sp>
+    </p:spTree>
+    <p:extLst>
+      <p:ext uri="{BB962C8B-B14F-4D97-AF65-F5344CB8AC3E}">
+        <p14:creationId xmlns:p14="http://schemas.microsoft.com/office/powerpoint/2010/main" val="1153781066"/>
+      </p:ext>
+    </p:extLst>
+  </p:cSld>
+  <p:clrMapOvr>
+    <a:masterClrMapping/>
+  </p:clrMapOvr>
+  <p:timing>
+    <p:tnLst>
+      <p:par>
+        <p:cTn id="1" dur="indefinite" restart="never" nodeType="tmRoot"/>
+      </p:par>
+    </p:tnLst>
+  </p:timing>
+</p:sld>
+</file>
+
+<file path=ppt/slides/slide12.xml><?xml version="1.0" encoding="utf-8"?>
+<p:sld xmlns:a="http://schemas.openxmlformats.org/drawingml/2006/main" xmlns:r="http://schemas.openxmlformats.org/officeDocument/2006/relationships" xmlns:p="http://schemas.openxmlformats.org/presentationml/2006/main">
+  <p:cSld>
+    <p:spTree>
+      <p:nvGrpSpPr>
+        <p:cNvPr id="1" name=""/>
+        <p:cNvGrpSpPr/>
+        <p:nvPr/>
+      </p:nvGrpSpPr>
+      <p:grpSpPr>
+        <a:xfrm>
+          <a:off x="0" y="0"/>
+          <a:ext cx="0" cy="0"/>
+          <a:chOff x="0" y="0"/>
+          <a:chExt cx="0" cy="0"/>
+        </a:xfrm>
+      </p:grpSpPr>
+      <p:sp>
+        <p:nvSpPr>
+          <p:cNvPr id="2" name="Title 1"/>
+          <p:cNvSpPr>
+            <a:spLocks noGrp="1"/>
+          </p:cNvSpPr>
+          <p:nvPr>
+            <p:ph type="ctrTitle"/>
+          </p:nvPr>
+        </p:nvSpPr>
+        <p:spPr/>
+        <p:txBody>
+          <a:bodyPr/>
+          <a:lstStyle/>
+          <a:p>
+            <a:r>
+              <a:rPr lang="en-US" dirty="0" smtClean="0"/>
+              <a:t>Thanks for your attention</a:t>
+            </a:r>
+            <a:endParaRPr lang="en-US" dirty="0"/>
+          </a:p>
+        </p:txBody>
+      </p:sp>
+      <p:sp>
+        <p:nvSpPr>
+          <p:cNvPr id="3" name="Subtitle 2"/>
+          <p:cNvSpPr>
+            <a:spLocks noGrp="1"/>
+          </p:cNvSpPr>
+          <p:nvPr>
+            <p:ph type="subTitle" idx="1"/>
+          </p:nvPr>
+        </p:nvSpPr>
+        <p:spPr/>
+        <p:txBody>
+          <a:bodyPr/>
+          <a:lstStyle/>
+          <a:p>
+            <a:endParaRPr lang="en-US" dirty="0"/>
+          </a:p>
+        </p:txBody>
+      </p:sp>
+      <p:pic>
+        <p:nvPicPr>
+          <p:cNvPr id="4" name="Picture 3" descr="car.gif"/>
+          <p:cNvPicPr>
+            <a:picLocks noChangeAspect="1"/>
+          </p:cNvPicPr>
+          <p:nvPr/>
+        </p:nvPicPr>
+        <p:blipFill>
+          <a:blip r:embed="rId2">
+            <a:extLst>
+              <a:ext uri="{28A0092B-C50C-407E-A947-70E740481C1C}">
+                <a14:useLocalDpi xmlns:a14="http://schemas.microsoft.com/office/drawing/2010/main" val="0"/>
+              </a:ext>
+            </a:extLst>
+          </a:blip>
+          <a:stretch>
+            <a:fillRect/>
+          </a:stretch>
+        </p:blipFill>
+        <p:spPr>
+          <a:xfrm rot="20990893">
+            <a:off x="4013816" y="4633513"/>
+            <a:ext cx="2309165" cy="1367026"/>
+          </a:xfrm>
+          <a:prstGeom prst="rect">
+            <a:avLst/>
+          </a:prstGeom>
+        </p:spPr>
+      </p:pic>
+    </p:spTree>
+    <p:extLst>
+      <p:ext uri="{BB962C8B-B14F-4D97-AF65-F5344CB8AC3E}">
+        <p14:creationId xmlns:p14="http://schemas.microsoft.com/office/powerpoint/2010/main" val="3367428980"/>
+      </p:ext>
+    </p:extLst>
+  </p:cSld>
+  <p:clrMapOvr>
+    <a:masterClrMapping/>
+  </p:clrMapOvr>
+  <p:timing>
+    <p:tnLst>
+      <p:par>
+        <p:cTn id="1" dur="indefinite" restart="never" nodeType="tmRoot"/>
+      </p:par>
+    </p:tnLst>
+  </p:timing>
+</p:sld>
+</file>
+
 <file path=ppt/slides/slide2.xml><?xml version="1.0" encoding="utf-8"?>
 <p:sld xmlns:a="http://schemas.openxmlformats.org/drawingml/2006/main" xmlns:r="http://schemas.openxmlformats.org/officeDocument/2006/relationships" xmlns:p="http://schemas.openxmlformats.org/presentationml/2006/main">
   <p:cSld>
@@ -18274,7 +18653,7 @@
           </p:nvPr>
         </p:nvPicPr>
         <p:blipFill>
-          <a:blip r:embed="rId3"/>
+          <a:blip r:embed="rId2"/>
           <a:stretch>
             <a:fillRect/>
           </a:stretch>
@@ -18364,7 +18743,7 @@
             <p:ph idx="1"/>
             <p:extLst>
               <p:ext uri="{D42A27DB-BD31-4B8C-83A1-F6EECF244321}">
-                <p14:modId xmlns:p14="http://schemas.microsoft.com/office/powerpoint/2010/main" val="2130986066"/>
+                <p14:modId xmlns:p14="http://schemas.microsoft.com/office/powerpoint/2010/main" val="110858610"/>
               </p:ext>
             </p:extLst>
           </p:nvPr>
@@ -18479,7 +18858,6 @@
               <a:rPr lang="en-US" dirty="0" smtClean="0"/>
               <a:t>Evolution of the initial concept over the years.</a:t>
             </a:r>
-            <a:endParaRPr lang="en-US" dirty="0" smtClean="0"/>
           </a:p>
           <a:p>
             <a:r>
@@ -18493,7 +18871,6 @@
               <a:rPr lang="en-US" dirty="0" smtClean="0"/>
               <a:t>Design</a:t>
             </a:r>
-            <a:endParaRPr lang="en-US" dirty="0" smtClean="0"/>
           </a:p>
           <a:p>
             <a:endParaRPr lang="en-US" dirty="0"/>
@@ -18510,6 +18887,13 @@
   <p:clrMapOvr>
     <a:masterClrMapping/>
   </p:clrMapOvr>
+  <p:timing>
+    <p:tnLst>
+      <p:par>
+        <p:cTn id="1" dur="indefinite" restart="never" nodeType="tmRoot"/>
+      </p:par>
+    </p:tnLst>
+  </p:timing>
 </p:sld>
 </file>
 
@@ -18571,7 +18955,7 @@
         <p:spPr/>
         <p:txBody>
           <a:bodyPr>
-            <a:normAutofit lnSpcReduction="10000"/>
+            <a:normAutofit fontScale="92500" lnSpcReduction="20000"/>
           </a:bodyPr>
           <a:lstStyle/>
           <a:p>
@@ -18584,15 +18968,17 @@
             <a:pPr lvl="1"/>
             <a:r>
               <a:rPr lang="en-US" dirty="0" smtClean="0"/>
-              <a:t>Explanations about the concept of carpooling/Ride-sharing.</a:t>
+              <a:t>Carpooling in different countries</a:t>
             </a:r>
+            <a:endParaRPr lang="en-US" dirty="0" smtClean="0"/>
           </a:p>
           <a:p>
             <a:pPr lvl="1"/>
             <a:r>
               <a:rPr lang="en-US" dirty="0" smtClean="0"/>
-              <a:t>Evolution of the initial concept over the years.</a:t>
+              <a:t>Overview of the business model</a:t>
             </a:r>
+            <a:endParaRPr lang="en-US" dirty="0" smtClean="0"/>
           </a:p>
           <a:p>
             <a:pPr marL="349250" lvl="1" indent="0">
@@ -18603,8 +18989,31 @@
           <a:p>
             <a:r>
               <a:rPr lang="en-US" dirty="0" smtClean="0"/>
-              <a:t>What we have to do</a:t>
+              <a:t>What we have to </a:t>
             </a:r>
+            <a:r>
+              <a:rPr lang="en-US" dirty="0" smtClean="0"/>
+              <a:t>do</a:t>
+            </a:r>
+          </a:p>
+          <a:p>
+            <a:pPr lvl="1"/>
+            <a:r>
+              <a:rPr lang="en-US" dirty="0" smtClean="0"/>
+              <a:t>Previsions of the market evolution</a:t>
+            </a:r>
+          </a:p>
+          <a:p>
+            <a:pPr lvl="1"/>
+            <a:r>
+              <a:rPr lang="en-US" dirty="0" smtClean="0"/>
+              <a:t>Benchmark of the some carpoolin</a:t>
+            </a:r>
+            <a:r>
+              <a:rPr lang="en-US" dirty="0" smtClean="0"/>
+              <a:t>g companies</a:t>
+            </a:r>
+            <a:endParaRPr lang="en-US" dirty="0" smtClean="0"/>
           </a:p>
           <a:p>
             <a:pPr lvl="1"/>
@@ -18656,88 +19065,503 @@
             <a:spLocks noGrp="1"/>
           </p:cNvSpPr>
           <p:nvPr>
-            <p:ph type="ctrTitle"/>
+            <p:ph type="title"/>
+          </p:nvPr>
+        </p:nvSpPr>
+        <p:spPr>
+          <a:xfrm>
+            <a:off x="712788" y="1267013"/>
+            <a:ext cx="7716837" cy="1447800"/>
+          </a:xfrm>
+        </p:spPr>
+        <p:txBody>
+          <a:bodyPr/>
+          <a:lstStyle/>
+          <a:p>
+            <a:r>
+              <a:rPr lang="en-US" dirty="0"/>
+              <a:t>Transportation and </a:t>
+            </a:r>
+            <a:r>
+              <a:rPr lang="en-US" dirty="0" smtClean="0"/>
+              <a:t>Environment analysis </a:t>
+            </a:r>
+            <a:endParaRPr lang="en-US" dirty="0"/>
+          </a:p>
+        </p:txBody>
+      </p:sp>
+      <p:sp>
+        <p:nvSpPr>
+          <p:cNvPr id="5" name="Content Placeholder 4"/>
+          <p:cNvSpPr>
+            <a:spLocks noGrp="1"/>
+          </p:cNvSpPr>
+          <p:nvPr>
+            <p:ph idx="1"/>
           </p:nvPr>
         </p:nvSpPr>
         <p:spPr/>
         <p:txBody>
-          <a:bodyPr/>
+          <a:bodyPr>
+            <a:normAutofit fontScale="92500" lnSpcReduction="10000"/>
+          </a:bodyPr>
           <a:lstStyle/>
           <a:p>
             <a:r>
               <a:rPr lang="en-US" dirty="0" smtClean="0"/>
-              <a:t>Thanks for your attention</a:t>
+              <a:t>What we have done</a:t>
             </a:r>
+          </a:p>
+          <a:p>
+            <a:pPr lvl="1"/>
+            <a:r>
+              <a:rPr lang="en-US" dirty="0" smtClean="0"/>
+              <a:t>Environment impacts</a:t>
+            </a:r>
+            <a:endParaRPr lang="en-US" dirty="0" smtClean="0"/>
+          </a:p>
+          <a:p>
+            <a:pPr lvl="1"/>
+            <a:r>
+              <a:rPr lang="en-US" dirty="0" smtClean="0"/>
+              <a:t>Cost impacts</a:t>
+            </a:r>
+          </a:p>
+          <a:p>
+            <a:pPr marL="349250" lvl="1" indent="0">
+              <a:buNone/>
+            </a:pPr>
+            <a:endParaRPr lang="en-US" dirty="0" smtClean="0"/>
+          </a:p>
+          <a:p>
+            <a:r>
+              <a:rPr lang="en-US" dirty="0" smtClean="0"/>
+              <a:t>What we have to </a:t>
+            </a:r>
+            <a:r>
+              <a:rPr lang="en-US" dirty="0" smtClean="0"/>
+              <a:t>do</a:t>
+            </a:r>
+          </a:p>
+          <a:p>
+            <a:pPr lvl="1"/>
+            <a:r>
+              <a:rPr lang="en-US" dirty="0" smtClean="0"/>
+              <a:t>Impact on the traffic and time reduction</a:t>
+            </a:r>
+          </a:p>
+          <a:p>
+            <a:pPr lvl="1"/>
+            <a:r>
+              <a:rPr lang="en-US" dirty="0" smtClean="0"/>
+              <a:t>Design</a:t>
+            </a:r>
+            <a:endParaRPr lang="en-US" dirty="0" smtClean="0"/>
+          </a:p>
+          <a:p>
             <a:endParaRPr lang="en-US" dirty="0"/>
           </a:p>
         </p:txBody>
       </p:sp>
-      <p:sp>
-        <p:nvSpPr>
-          <p:cNvPr id="3" name="Subtitle 2"/>
-          <p:cNvSpPr>
-            <a:spLocks noGrp="1"/>
-          </p:cNvSpPr>
-          <p:nvPr>
-            <p:ph type="subTitle" idx="1"/>
-          </p:nvPr>
-        </p:nvSpPr>
-        <p:spPr/>
-        <p:txBody>
-          <a:bodyPr/>
-          <a:lstStyle/>
-          <a:p>
-            <a:endParaRPr lang="en-US" dirty="0"/>
-          </a:p>
-        </p:txBody>
-      </p:sp>
-      <p:pic>
-        <p:nvPicPr>
-          <p:cNvPr id="4" name="Picture 3" descr="car.gif"/>
-          <p:cNvPicPr>
-            <a:picLocks noChangeAspect="1"/>
-          </p:cNvPicPr>
-          <p:nvPr/>
-        </p:nvPicPr>
-        <p:blipFill>
-          <a:blip r:embed="rId2">
-            <a:extLst>
-              <a:ext uri="{28A0092B-C50C-407E-A947-70E740481C1C}">
-                <a14:useLocalDpi xmlns:a14="http://schemas.microsoft.com/office/drawing/2010/main" val="0"/>
-              </a:ext>
-            </a:extLst>
-          </a:blip>
-          <a:stretch>
-            <a:fillRect/>
-          </a:stretch>
-        </p:blipFill>
-        <p:spPr>
-          <a:xfrm rot="20990893">
-            <a:off x="4013816" y="4633513"/>
-            <a:ext cx="2309165" cy="1367026"/>
-          </a:xfrm>
-          <a:prstGeom prst="rect">
-            <a:avLst/>
-          </a:prstGeom>
-        </p:spPr>
-      </p:pic>
     </p:spTree>
     <p:extLst>
       <p:ext uri="{BB962C8B-B14F-4D97-AF65-F5344CB8AC3E}">
-        <p14:creationId xmlns:p14="http://schemas.microsoft.com/office/powerpoint/2010/main" val="3367428980"/>
+        <p14:creationId xmlns:p14="http://schemas.microsoft.com/office/powerpoint/2010/main" val="262366545"/>
       </p:ext>
     </p:extLst>
   </p:cSld>
   <p:clrMapOvr>
     <a:masterClrMapping/>
   </p:clrMapOvr>
-  <p:timing>
-    <p:tnLst>
-      <p:par>
-        <p:cTn id="1" dur="indefinite" restart="never" nodeType="tmRoot"/>
-      </p:par>
-    </p:tnLst>
-  </p:timing>
+</p:sld>
+</file>
+
+<file path=ppt/slides/slide7.xml><?xml version="1.0" encoding="utf-8"?>
+<p:sld xmlns:a="http://schemas.openxmlformats.org/drawingml/2006/main" xmlns:r="http://schemas.openxmlformats.org/officeDocument/2006/relationships" xmlns:p="http://schemas.openxmlformats.org/presentationml/2006/main">
+  <p:cSld>
+    <p:spTree>
+      <p:nvGrpSpPr>
+        <p:cNvPr id="1" name=""/>
+        <p:cNvGrpSpPr/>
+        <p:nvPr/>
+      </p:nvGrpSpPr>
+      <p:grpSpPr>
+        <a:xfrm>
+          <a:off x="0" y="0"/>
+          <a:ext cx="0" cy="0"/>
+          <a:chOff x="0" y="0"/>
+          <a:chExt cx="0" cy="0"/>
+        </a:xfrm>
+      </p:grpSpPr>
+      <p:sp>
+        <p:nvSpPr>
+          <p:cNvPr id="2" name="Title 1"/>
+          <p:cNvSpPr>
+            <a:spLocks noGrp="1"/>
+          </p:cNvSpPr>
+          <p:nvPr>
+            <p:ph type="title"/>
+          </p:nvPr>
+        </p:nvSpPr>
+        <p:spPr>
+          <a:xfrm>
+            <a:off x="712788" y="1267013"/>
+            <a:ext cx="7716837" cy="1447800"/>
+          </a:xfrm>
+        </p:spPr>
+        <p:txBody>
+          <a:bodyPr/>
+          <a:lstStyle/>
+          <a:p>
+            <a:r>
+              <a:rPr lang="en-US" dirty="0"/>
+              <a:t>Technology Analysis</a:t>
+            </a:r>
+            <a:endParaRPr lang="en-US" dirty="0"/>
+          </a:p>
+        </p:txBody>
+      </p:sp>
+      <p:sp>
+        <p:nvSpPr>
+          <p:cNvPr id="5" name="Content Placeholder 4"/>
+          <p:cNvSpPr>
+            <a:spLocks noGrp="1"/>
+          </p:cNvSpPr>
+          <p:nvPr>
+            <p:ph idx="1"/>
+          </p:nvPr>
+        </p:nvSpPr>
+        <p:spPr/>
+        <p:txBody>
+          <a:bodyPr>
+            <a:normAutofit fontScale="92500" lnSpcReduction="20000"/>
+          </a:bodyPr>
+          <a:lstStyle/>
+          <a:p>
+            <a:r>
+              <a:rPr lang="en-US" dirty="0" smtClean="0"/>
+              <a:t>What we have done</a:t>
+            </a:r>
+          </a:p>
+          <a:p>
+            <a:pPr lvl="1"/>
+            <a:r>
+              <a:rPr lang="en-US" dirty="0" smtClean="0"/>
+              <a:t>Collecting data and reading articles</a:t>
+            </a:r>
+          </a:p>
+          <a:p>
+            <a:pPr marL="349250" lvl="1" indent="0">
+              <a:buNone/>
+            </a:pPr>
+            <a:endParaRPr lang="en-US" dirty="0" smtClean="0"/>
+          </a:p>
+          <a:p>
+            <a:r>
+              <a:rPr lang="en-US" dirty="0" smtClean="0"/>
+              <a:t>What we have to </a:t>
+            </a:r>
+            <a:r>
+              <a:rPr lang="en-US" dirty="0" smtClean="0"/>
+              <a:t>do</a:t>
+            </a:r>
+          </a:p>
+          <a:p>
+            <a:pPr lvl="1"/>
+            <a:r>
+              <a:rPr lang="en-US" dirty="0" smtClean="0"/>
+              <a:t>The used technology</a:t>
+            </a:r>
+          </a:p>
+          <a:p>
+            <a:pPr lvl="1"/>
+            <a:r>
+              <a:rPr lang="en-US" dirty="0" smtClean="0"/>
+              <a:t>How the new technologies can help this market from the point of view of security and flexibility</a:t>
+            </a:r>
+          </a:p>
+          <a:p>
+            <a:pPr lvl="1"/>
+            <a:r>
+              <a:rPr lang="en-US" dirty="0" smtClean="0"/>
+              <a:t>Design</a:t>
+            </a:r>
+            <a:endParaRPr lang="en-US" dirty="0" smtClean="0"/>
+          </a:p>
+          <a:p>
+            <a:endParaRPr lang="en-US" dirty="0"/>
+          </a:p>
+        </p:txBody>
+      </p:sp>
+    </p:spTree>
+    <p:extLst>
+      <p:ext uri="{BB962C8B-B14F-4D97-AF65-F5344CB8AC3E}">
+        <p14:creationId xmlns:p14="http://schemas.microsoft.com/office/powerpoint/2010/main" val="3277929996"/>
+      </p:ext>
+    </p:extLst>
+  </p:cSld>
+  <p:clrMapOvr>
+    <a:masterClrMapping/>
+  </p:clrMapOvr>
+</p:sld>
+</file>
+
+<file path=ppt/slides/slide8.xml><?xml version="1.0" encoding="utf-8"?>
+<p:sld xmlns:a="http://schemas.openxmlformats.org/drawingml/2006/main" xmlns:r="http://schemas.openxmlformats.org/officeDocument/2006/relationships" xmlns:p="http://schemas.openxmlformats.org/presentationml/2006/main">
+  <p:cSld>
+    <p:spTree>
+      <p:nvGrpSpPr>
+        <p:cNvPr id="1" name=""/>
+        <p:cNvGrpSpPr/>
+        <p:nvPr/>
+      </p:nvGrpSpPr>
+      <p:grpSpPr>
+        <a:xfrm>
+          <a:off x="0" y="0"/>
+          <a:ext cx="0" cy="0"/>
+          <a:chOff x="0" y="0"/>
+          <a:chExt cx="0" cy="0"/>
+        </a:xfrm>
+      </p:grpSpPr>
+      <p:sp>
+        <p:nvSpPr>
+          <p:cNvPr id="2" name="Title 1"/>
+          <p:cNvSpPr>
+            <a:spLocks noGrp="1"/>
+          </p:cNvSpPr>
+          <p:nvPr>
+            <p:ph type="title"/>
+          </p:nvPr>
+        </p:nvSpPr>
+        <p:spPr>
+          <a:xfrm>
+            <a:off x="712788" y="1267013"/>
+            <a:ext cx="7716837" cy="1447800"/>
+          </a:xfrm>
+        </p:spPr>
+        <p:txBody>
+          <a:bodyPr/>
+          <a:lstStyle/>
+          <a:p>
+            <a:r>
+              <a:rPr lang="en-US" dirty="0"/>
+              <a:t>Technology Analysis</a:t>
+            </a:r>
+            <a:endParaRPr lang="en-US" dirty="0"/>
+          </a:p>
+        </p:txBody>
+      </p:sp>
+      <p:sp>
+        <p:nvSpPr>
+          <p:cNvPr id="5" name="Content Placeholder 4"/>
+          <p:cNvSpPr>
+            <a:spLocks noGrp="1"/>
+          </p:cNvSpPr>
+          <p:nvPr>
+            <p:ph idx="1"/>
+          </p:nvPr>
+        </p:nvSpPr>
+        <p:spPr/>
+        <p:txBody>
+          <a:bodyPr>
+            <a:normAutofit/>
+          </a:bodyPr>
+          <a:lstStyle/>
+          <a:p>
+            <a:r>
+              <a:rPr lang="en-US" dirty="0" smtClean="0"/>
+              <a:t>Why we are late</a:t>
+            </a:r>
+            <a:endParaRPr lang="en-US" dirty="0" smtClean="0"/>
+          </a:p>
+          <a:p>
+            <a:pPr lvl="1"/>
+            <a:r>
+              <a:rPr lang="en-US" dirty="0" smtClean="0"/>
+              <a:t>The collected data are not statistics</a:t>
+            </a:r>
+          </a:p>
+          <a:p>
+            <a:pPr lvl="1"/>
+            <a:r>
+              <a:rPr lang="en-US" dirty="0" smtClean="0"/>
+              <a:t>The articles giving subjective point of view</a:t>
+            </a:r>
+            <a:endParaRPr lang="en-US" dirty="0" smtClean="0"/>
+          </a:p>
+          <a:p>
+            <a:pPr marL="349250" lvl="1" indent="0">
+              <a:buNone/>
+            </a:pPr>
+            <a:endParaRPr lang="en-US" dirty="0" smtClean="0"/>
+          </a:p>
+        </p:txBody>
+      </p:sp>
+    </p:spTree>
+    <p:extLst>
+      <p:ext uri="{BB962C8B-B14F-4D97-AF65-F5344CB8AC3E}">
+        <p14:creationId xmlns:p14="http://schemas.microsoft.com/office/powerpoint/2010/main" val="3137057851"/>
+      </p:ext>
+    </p:extLst>
+  </p:cSld>
+  <p:clrMapOvr>
+    <a:masterClrMapping/>
+  </p:clrMapOvr>
+</p:sld>
+</file>
+
+<file path=ppt/slides/slide9.xml><?xml version="1.0" encoding="utf-8"?>
+<p:sld xmlns:a="http://schemas.openxmlformats.org/drawingml/2006/main" xmlns:r="http://schemas.openxmlformats.org/officeDocument/2006/relationships" xmlns:p="http://schemas.openxmlformats.org/presentationml/2006/main">
+  <p:cSld>
+    <p:spTree>
+      <p:nvGrpSpPr>
+        <p:cNvPr id="1" name=""/>
+        <p:cNvGrpSpPr/>
+        <p:nvPr/>
+      </p:nvGrpSpPr>
+      <p:grpSpPr>
+        <a:xfrm>
+          <a:off x="0" y="0"/>
+          <a:ext cx="0" cy="0"/>
+          <a:chOff x="0" y="0"/>
+          <a:chExt cx="0" cy="0"/>
+        </a:xfrm>
+      </p:grpSpPr>
+      <p:sp>
+        <p:nvSpPr>
+          <p:cNvPr id="2" name="Title 1"/>
+          <p:cNvSpPr>
+            <a:spLocks noGrp="1"/>
+          </p:cNvSpPr>
+          <p:nvPr>
+            <p:ph type="title"/>
+          </p:nvPr>
+        </p:nvSpPr>
+        <p:spPr>
+          <a:xfrm>
+            <a:off x="712788" y="1267013"/>
+            <a:ext cx="7716837" cy="1447800"/>
+          </a:xfrm>
+        </p:spPr>
+        <p:txBody>
+          <a:bodyPr/>
+          <a:lstStyle/>
+          <a:p>
+            <a:r>
+              <a:rPr lang="en-US" dirty="0"/>
+              <a:t>Law and Public policy</a:t>
+            </a:r>
+          </a:p>
+        </p:txBody>
+      </p:sp>
+      <p:sp>
+        <p:nvSpPr>
+          <p:cNvPr id="5" name="Content Placeholder 4"/>
+          <p:cNvSpPr>
+            <a:spLocks noGrp="1"/>
+          </p:cNvSpPr>
+          <p:nvPr>
+            <p:ph idx="1"/>
+          </p:nvPr>
+        </p:nvSpPr>
+        <p:spPr/>
+        <p:txBody>
+          <a:bodyPr>
+            <a:normAutofit fontScale="85000" lnSpcReduction="20000"/>
+          </a:bodyPr>
+          <a:lstStyle/>
+          <a:p>
+            <a:r>
+              <a:rPr lang="en-US" dirty="0" smtClean="0"/>
+              <a:t>What we have </a:t>
+            </a:r>
+            <a:r>
+              <a:rPr lang="en-US" dirty="0" smtClean="0"/>
+              <a:t>done</a:t>
+            </a:r>
+            <a:endParaRPr lang="en-US" dirty="0" smtClean="0"/>
+          </a:p>
+          <a:p>
+            <a:pPr lvl="1"/>
+            <a:r>
+              <a:rPr lang="en-US" dirty="0" smtClean="0"/>
+              <a:t>Carpooling policies in some countries</a:t>
+            </a:r>
+          </a:p>
+          <a:p>
+            <a:pPr lvl="1"/>
+            <a:r>
+              <a:rPr lang="en-US" dirty="0" smtClean="0"/>
+              <a:t>Possible Government actions</a:t>
+            </a:r>
+            <a:endParaRPr lang="en-US" dirty="0" smtClean="0"/>
+          </a:p>
+          <a:p>
+            <a:pPr marL="349250" lvl="1" indent="0">
+              <a:buNone/>
+            </a:pPr>
+            <a:endParaRPr lang="en-US" dirty="0" smtClean="0"/>
+          </a:p>
+          <a:p>
+            <a:r>
+              <a:rPr lang="en-US" dirty="0" smtClean="0"/>
+              <a:t>What </a:t>
+            </a:r>
+            <a:r>
+              <a:rPr lang="en-US" dirty="0" smtClean="0"/>
+              <a:t>we have to </a:t>
+            </a:r>
+            <a:r>
+              <a:rPr lang="en-US" dirty="0" smtClean="0"/>
+              <a:t>do</a:t>
+            </a:r>
+          </a:p>
+          <a:p>
+            <a:pPr lvl="1"/>
+            <a:r>
+              <a:rPr lang="en-US" dirty="0"/>
+              <a:t>G</a:t>
+            </a:r>
+            <a:r>
+              <a:rPr lang="en-US" dirty="0" smtClean="0"/>
+              <a:t>overnment actions to protect the users</a:t>
+            </a:r>
+          </a:p>
+          <a:p>
+            <a:pPr lvl="1"/>
+            <a:r>
+              <a:rPr lang="en-US" dirty="0"/>
+              <a:t>Government actions to protect </a:t>
+            </a:r>
+            <a:r>
+              <a:rPr lang="en-US" dirty="0" smtClean="0"/>
+              <a:t>transportation professions</a:t>
+            </a:r>
+            <a:endParaRPr lang="en-US" dirty="0"/>
+          </a:p>
+          <a:p>
+            <a:pPr lvl="1"/>
+            <a:r>
+              <a:rPr lang="en-US" dirty="0" smtClean="0"/>
+              <a:t>Design</a:t>
+            </a:r>
+            <a:endParaRPr lang="en-US" dirty="0" smtClean="0"/>
+          </a:p>
+          <a:p>
+            <a:endParaRPr lang="en-US" dirty="0"/>
+          </a:p>
+        </p:txBody>
+      </p:sp>
+    </p:spTree>
+    <p:extLst>
+      <p:ext uri="{BB962C8B-B14F-4D97-AF65-F5344CB8AC3E}">
+        <p14:creationId xmlns:p14="http://schemas.microsoft.com/office/powerpoint/2010/main" val="2761878269"/>
+      </p:ext>
+    </p:extLst>
+  </p:cSld>
+  <p:clrMapOvr>
+    <a:masterClrMapping/>
+  </p:clrMapOvr>
 </p:sld>
 </file>
 

--- a/Presentations/Presentation3_Progress.pptx
+++ b/Presentations/Presentation3_Progress.pptx
@@ -12,11 +12,10 @@
     <p:sldId id="266" r:id="rId6"/>
     <p:sldId id="267" r:id="rId7"/>
     <p:sldId id="268" r:id="rId8"/>
-    <p:sldId id="269" r:id="rId9"/>
-    <p:sldId id="270" r:id="rId10"/>
-    <p:sldId id="271" r:id="rId11"/>
-    <p:sldId id="272" r:id="rId12"/>
-    <p:sldId id="264" r:id="rId13"/>
+    <p:sldId id="270" r:id="rId9"/>
+    <p:sldId id="271" r:id="rId10"/>
+    <p:sldId id="272" r:id="rId11"/>
+    <p:sldId id="264" r:id="rId12"/>
   </p:sldIdLst>
   <p:sldSz cx="9144000" cy="6858000" type="screen4x3"/>
   <p:notesSz cx="6858000" cy="9144000"/>
@@ -327,7 +326,7 @@
                   <c:v>0.6</c:v>
                 </c:pt>
                 <c:pt idx="3">
-                  <c:v>0.25</c:v>
+                  <c:v>0.5</c:v>
                 </c:pt>
                 <c:pt idx="4">
                   <c:v>0.5</c:v>
@@ -437,7 +436,7 @@
                   <c:v>0.85</c:v>
                 </c:pt>
                 <c:pt idx="3">
-                  <c:v>0.3</c:v>
+                  <c:v>0.7</c:v>
                 </c:pt>
                 <c:pt idx="4">
                   <c:v>0.7</c:v>
@@ -572,11 +571,11 @@
         </c:dLbls>
         <c:gapWidth val="115"/>
         <c:overlap val="-20"/>
-        <c:axId val="4988360"/>
-        <c:axId val="4988752"/>
+        <c:axId val="191099336"/>
+        <c:axId val="150987808"/>
       </c:barChart>
       <c:catAx>
-        <c:axId val="4988360"/>
+        <c:axId val="191099336"/>
         <c:scaling>
           <c:orientation val="minMax"/>
         </c:scaling>
@@ -618,7 +617,7 @@
             <a:endParaRPr lang="fr-FR"/>
           </a:p>
         </c:txPr>
-        <c:crossAx val="4988752"/>
+        <c:crossAx val="150987808"/>
         <c:crosses val="autoZero"/>
         <c:auto val="1"/>
         <c:lblAlgn val="ctr"/>
@@ -626,7 +625,7 @@
         <c:noMultiLvlLbl val="0"/>
       </c:catAx>
       <c:valAx>
-        <c:axId val="4988752"/>
+        <c:axId val="150987808"/>
         <c:scaling>
           <c:orientation val="minMax"/>
         </c:scaling>
@@ -676,7 +675,7 @@
             <a:endParaRPr lang="fr-FR"/>
           </a:p>
         </c:txPr>
-        <c:crossAx val="4988360"/>
+        <c:crossAx val="191099336"/>
         <c:crosses val="autoZero"/>
         <c:crossBetween val="between"/>
       </c:valAx>
@@ -5967,7 +5966,7 @@
           <a:p>
             <a:fld id="{656635F7-E080-6B45-9428-011CFCC3CCC5}" type="datetimeFigureOut">
               <a:rPr lang="en-US" smtClean="0"/>
-              <a:t>3/18/2015</a:t>
+              <a:t>5/11/2015</a:t>
             </a:fld>
             <a:endParaRPr lang="en-US"/>
           </a:p>
@@ -6341,7 +6340,7 @@
           <a:p>
             <a:fld id="{656635F7-E080-6B45-9428-011CFCC3CCC5}" type="datetimeFigureOut">
               <a:rPr lang="en-US" smtClean="0"/>
-              <a:t>3/18/2015</a:t>
+              <a:t>5/11/2015</a:t>
             </a:fld>
             <a:endParaRPr lang="en-US"/>
           </a:p>
@@ -6718,7 +6717,7 @@
           <a:p>
             <a:fld id="{656635F7-E080-6B45-9428-011CFCC3CCC5}" type="datetimeFigureOut">
               <a:rPr lang="en-US" smtClean="0"/>
-              <a:t>3/18/2015</a:t>
+              <a:t>5/11/2015</a:t>
             </a:fld>
             <a:endParaRPr lang="en-US"/>
           </a:p>
@@ -7227,7 +7226,7 @@
           <a:p>
             <a:fld id="{656635F7-E080-6B45-9428-011CFCC3CCC5}" type="datetimeFigureOut">
               <a:rPr lang="en-US" smtClean="0"/>
-              <a:t>3/18/2015</a:t>
+              <a:t>5/11/2015</a:t>
             </a:fld>
             <a:endParaRPr lang="en-US"/>
           </a:p>
@@ -7468,7 +7467,7 @@
           <a:p>
             <a:fld id="{656635F7-E080-6B45-9428-011CFCC3CCC5}" type="datetimeFigureOut">
               <a:rPr lang="en-US" smtClean="0"/>
-              <a:t>3/18/2015</a:t>
+              <a:t>5/11/2015</a:t>
             </a:fld>
             <a:endParaRPr lang="en-US"/>
           </a:p>
@@ -7699,7 +7698,7 @@
           <a:p>
             <a:fld id="{656635F7-E080-6B45-9428-011CFCC3CCC5}" type="datetimeFigureOut">
               <a:rPr lang="en-US" smtClean="0"/>
-              <a:t>3/18/2015</a:t>
+              <a:t>5/11/2015</a:t>
             </a:fld>
             <a:endParaRPr lang="en-US"/>
           </a:p>
@@ -15055,7 +15054,7 @@
           <a:p>
             <a:fld id="{656635F7-E080-6B45-9428-011CFCC3CCC5}" type="datetimeFigureOut">
               <a:rPr lang="en-US" smtClean="0"/>
-              <a:t>3/18/2015</a:t>
+              <a:t>5/11/2015</a:t>
             </a:fld>
             <a:endParaRPr lang="en-US"/>
           </a:p>
@@ -15592,7 +15591,7 @@
           <a:p>
             <a:fld id="{656635F7-E080-6B45-9428-011CFCC3CCC5}" type="datetimeFigureOut">
               <a:rPr lang="en-US" smtClean="0"/>
-              <a:t>3/18/2015</a:t>
+              <a:t>5/11/2015</a:t>
             </a:fld>
             <a:endParaRPr lang="en-US"/>
           </a:p>
@@ -15767,7 +15766,7 @@
           <a:p>
             <a:fld id="{656635F7-E080-6B45-9428-011CFCC3CCC5}" type="datetimeFigureOut">
               <a:rPr lang="en-US" smtClean="0"/>
-              <a:t>3/18/2015</a:t>
+              <a:t>5/11/2015</a:t>
             </a:fld>
             <a:endParaRPr lang="en-US"/>
           </a:p>
@@ -15857,7 +15856,7 @@
           <a:p>
             <a:fld id="{656635F7-E080-6B45-9428-011CFCC3CCC5}" type="datetimeFigureOut">
               <a:rPr lang="en-US" smtClean="0"/>
-              <a:t>3/18/2015</a:t>
+              <a:t>5/11/2015</a:t>
             </a:fld>
             <a:endParaRPr lang="en-US"/>
           </a:p>
@@ -16193,7 +16192,7 @@
           <a:p>
             <a:fld id="{656635F7-E080-6B45-9428-011CFCC3CCC5}" type="datetimeFigureOut">
               <a:rPr lang="en-US" smtClean="0"/>
-              <a:t>3/18/2015</a:t>
+              <a:t>5/11/2015</a:t>
             </a:fld>
             <a:endParaRPr lang="en-US"/>
           </a:p>
@@ -17613,7 +17612,7 @@
           <a:p>
             <a:fld id="{656635F7-E080-6B45-9428-011CFCC3CCC5}" type="datetimeFigureOut">
               <a:rPr lang="en-US" smtClean="0"/>
-              <a:t>3/18/2015</a:t>
+              <a:t>5/11/2015</a:t>
             </a:fld>
             <a:endParaRPr lang="en-US"/>
           </a:p>
@@ -18264,142 +18263,6 @@
           <a:p>
             <a:r>
               <a:rPr lang="en-US" dirty="0"/>
-              <a:t>Social awareness</a:t>
-            </a:r>
-          </a:p>
-        </p:txBody>
-      </p:sp>
-      <p:sp>
-        <p:nvSpPr>
-          <p:cNvPr id="5" name="Content Placeholder 4"/>
-          <p:cNvSpPr>
-            <a:spLocks noGrp="1"/>
-          </p:cNvSpPr>
-          <p:nvPr>
-            <p:ph idx="1"/>
-          </p:nvPr>
-        </p:nvSpPr>
-        <p:spPr/>
-        <p:txBody>
-          <a:bodyPr>
-            <a:normAutofit fontScale="85000" lnSpcReduction="20000"/>
-          </a:bodyPr>
-          <a:lstStyle/>
-          <a:p>
-            <a:r>
-              <a:rPr lang="en-US" dirty="0" smtClean="0"/>
-              <a:t>What we have done</a:t>
-            </a:r>
-          </a:p>
-          <a:p>
-            <a:pPr lvl="1"/>
-            <a:r>
-              <a:rPr lang="en-US" dirty="0" smtClean="0"/>
-              <a:t>Typical users of car pooling</a:t>
-            </a:r>
-          </a:p>
-          <a:p>
-            <a:pPr lvl="1"/>
-            <a:r>
-              <a:rPr lang="en-US" dirty="0" smtClean="0"/>
-              <a:t>People’s motivations to use car pooling</a:t>
-            </a:r>
-          </a:p>
-          <a:p>
-            <a:pPr lvl="1"/>
-            <a:r>
-              <a:rPr lang="en-US" dirty="0" smtClean="0"/>
-              <a:t>Why people avoid carpooling</a:t>
-            </a:r>
-          </a:p>
-          <a:p>
-            <a:pPr marL="349250" lvl="1" indent="0">
-              <a:buNone/>
-            </a:pPr>
-            <a:endParaRPr lang="en-US" dirty="0" smtClean="0"/>
-          </a:p>
-          <a:p>
-            <a:r>
-              <a:rPr lang="en-US" dirty="0" smtClean="0"/>
-              <a:t>What we have to </a:t>
-            </a:r>
-            <a:r>
-              <a:rPr lang="en-US" dirty="0" smtClean="0"/>
-              <a:t>do</a:t>
-            </a:r>
-          </a:p>
-          <a:p>
-            <a:pPr lvl="1"/>
-            <a:r>
-              <a:rPr lang="en-US" dirty="0" smtClean="0"/>
-              <a:t>Possible evolutions of the business</a:t>
-            </a:r>
-          </a:p>
-          <a:p>
-            <a:pPr lvl="1"/>
-            <a:r>
-              <a:rPr lang="en-US" dirty="0" smtClean="0"/>
-              <a:t>Design</a:t>
-            </a:r>
-            <a:endParaRPr lang="en-US" dirty="0" smtClean="0"/>
-          </a:p>
-          <a:p>
-            <a:endParaRPr lang="en-US" dirty="0"/>
-          </a:p>
-        </p:txBody>
-      </p:sp>
-    </p:spTree>
-    <p:extLst>
-      <p:ext uri="{BB962C8B-B14F-4D97-AF65-F5344CB8AC3E}">
-        <p14:creationId xmlns:p14="http://schemas.microsoft.com/office/powerpoint/2010/main" val="1594158151"/>
-      </p:ext>
-    </p:extLst>
-  </p:cSld>
-  <p:clrMapOvr>
-    <a:masterClrMapping/>
-  </p:clrMapOvr>
-</p:sld>
-</file>
-
-<file path=ppt/slides/slide11.xml><?xml version="1.0" encoding="utf-8"?>
-<p:sld xmlns:a="http://schemas.openxmlformats.org/drawingml/2006/main" xmlns:r="http://schemas.openxmlformats.org/officeDocument/2006/relationships" xmlns:p="http://schemas.openxmlformats.org/presentationml/2006/main">
-  <p:cSld>
-    <p:spTree>
-      <p:nvGrpSpPr>
-        <p:cNvPr id="1" name=""/>
-        <p:cNvGrpSpPr/>
-        <p:nvPr/>
-      </p:nvGrpSpPr>
-      <p:grpSpPr>
-        <a:xfrm>
-          <a:off x="0" y="0"/>
-          <a:ext cx="0" cy="0"/>
-          <a:chOff x="0" y="0"/>
-          <a:chExt cx="0" cy="0"/>
-        </a:xfrm>
-      </p:grpSpPr>
-      <p:sp>
-        <p:nvSpPr>
-          <p:cNvPr id="2" name="Title 1"/>
-          <p:cNvSpPr>
-            <a:spLocks noGrp="1"/>
-          </p:cNvSpPr>
-          <p:nvPr>
-            <p:ph type="title"/>
-          </p:nvPr>
-        </p:nvSpPr>
-        <p:spPr>
-          <a:xfrm>
-            <a:off x="712788" y="1267013"/>
-            <a:ext cx="7716837" cy="1447800"/>
-          </a:xfrm>
-        </p:spPr>
-        <p:txBody>
-          <a:bodyPr/>
-          <a:lstStyle/>
-          <a:p>
-            <a:r>
-              <a:rPr lang="en-US" dirty="0"/>
               <a:t>Challenges</a:t>
             </a:r>
           </a:p>
@@ -18424,22 +18287,13 @@
           <a:p>
             <a:r>
               <a:rPr lang="en-US" dirty="0" smtClean="0"/>
-              <a:t>What we have </a:t>
+              <a:t>What we have done</a:t>
             </a:r>
+          </a:p>
+          <a:p>
             <a:r>
               <a:rPr lang="en-US" dirty="0" smtClean="0"/>
-              <a:t>done</a:t>
-            </a:r>
-            <a:endParaRPr lang="en-US" dirty="0" smtClean="0"/>
-          </a:p>
-          <a:p>
-            <a:r>
-              <a:rPr lang="en-US" dirty="0" smtClean="0"/>
-              <a:t>What we have to </a:t>
-            </a:r>
-            <a:r>
-              <a:rPr lang="en-US" dirty="0" smtClean="0"/>
-              <a:t>do</a:t>
+              <a:t>What we have to do</a:t>
             </a:r>
           </a:p>
           <a:p>
@@ -18462,7 +18316,6 @@
               <a:rPr lang="en-US" dirty="0" smtClean="0"/>
               <a:t>Design</a:t>
             </a:r>
-            <a:endParaRPr lang="en-US" dirty="0" smtClean="0"/>
           </a:p>
           <a:p>
             <a:endParaRPr lang="en-US" dirty="0"/>
@@ -18489,7 +18342,7 @@
 </p:sld>
 </file>
 
-<file path=ppt/slides/slide12.xml><?xml version="1.0" encoding="utf-8"?>
+<file path=ppt/slides/slide11.xml><?xml version="1.0" encoding="utf-8"?>
 <p:sld xmlns:a="http://schemas.openxmlformats.org/drawingml/2006/main" xmlns:r="http://schemas.openxmlformats.org/officeDocument/2006/relationships" xmlns:p="http://schemas.openxmlformats.org/presentationml/2006/main">
   <p:cSld>
     <p:spTree>
@@ -18743,7 +18596,7 @@
             <p:ph idx="1"/>
             <p:extLst>
               <p:ext uri="{D42A27DB-BD31-4B8C-83A1-F6EECF244321}">
-                <p14:modId xmlns:p14="http://schemas.microsoft.com/office/powerpoint/2010/main" val="110858610"/>
+                <p14:modId xmlns:p14="http://schemas.microsoft.com/office/powerpoint/2010/main" val="2163103532"/>
               </p:ext>
             </p:extLst>
           </p:nvPr>
@@ -18970,7 +18823,6 @@
               <a:rPr lang="en-US" dirty="0" smtClean="0"/>
               <a:t>Carpooling in different countries</a:t>
             </a:r>
-            <a:endParaRPr lang="en-US" dirty="0" smtClean="0"/>
           </a:p>
           <a:p>
             <a:pPr lvl="1"/>
@@ -18978,7 +18830,6 @@
               <a:rPr lang="en-US" dirty="0" smtClean="0"/>
               <a:t>Overview of the business model</a:t>
             </a:r>
-            <a:endParaRPr lang="en-US" dirty="0" smtClean="0"/>
           </a:p>
           <a:p>
             <a:pPr marL="349250" lvl="1" indent="0">
@@ -18989,11 +18840,7 @@
           <a:p>
             <a:r>
               <a:rPr lang="en-US" dirty="0" smtClean="0"/>
-              <a:t>What we have to </a:t>
-            </a:r>
-            <a:r>
-              <a:rPr lang="en-US" dirty="0" smtClean="0"/>
-              <a:t>do</a:t>
+              <a:t>What we have to do</a:t>
             </a:r>
           </a:p>
           <a:p>
@@ -19007,13 +18854,8 @@
             <a:pPr lvl="1"/>
             <a:r>
               <a:rPr lang="en-US" dirty="0" smtClean="0"/>
-              <a:t>Benchmark of the some carpoolin</a:t>
+              <a:t>Benchmark of the some carpooling companies</a:t>
             </a:r>
-            <a:r>
-              <a:rPr lang="en-US" dirty="0" smtClean="0"/>
-              <a:t>g companies</a:t>
-            </a:r>
-            <a:endParaRPr lang="en-US" dirty="0" smtClean="0"/>
           </a:p>
           <a:p>
             <a:pPr lvl="1"/>
@@ -19021,7 +18863,6 @@
               <a:rPr lang="en-US" dirty="0" smtClean="0"/>
               <a:t>Design</a:t>
             </a:r>
-            <a:endParaRPr lang="en-US" dirty="0" smtClean="0"/>
           </a:p>
           <a:p>
             <a:endParaRPr lang="en-US" dirty="0"/>
@@ -19118,7 +18959,6 @@
               <a:rPr lang="en-US" dirty="0" smtClean="0"/>
               <a:t>Environment impacts</a:t>
             </a:r>
-            <a:endParaRPr lang="en-US" dirty="0" smtClean="0"/>
           </a:p>
           <a:p>
             <a:pPr lvl="1"/>
@@ -19136,11 +18976,7 @@
           <a:p>
             <a:r>
               <a:rPr lang="en-US" dirty="0" smtClean="0"/>
-              <a:t>What we have to </a:t>
-            </a:r>
-            <a:r>
-              <a:rPr lang="en-US" dirty="0" smtClean="0"/>
-              <a:t>do</a:t>
+              <a:t>What we have to do</a:t>
             </a:r>
           </a:p>
           <a:p>
@@ -19156,7 +18992,6 @@
               <a:rPr lang="en-US" dirty="0" smtClean="0"/>
               <a:t>Design</a:t>
             </a:r>
-            <a:endParaRPr lang="en-US" dirty="0" smtClean="0"/>
           </a:p>
           <a:p>
             <a:endParaRPr lang="en-US" dirty="0"/>
@@ -19217,7 +19052,6 @@
               <a:rPr lang="en-US" dirty="0"/>
               <a:t>Technology Analysis</a:t>
             </a:r>
-            <a:endParaRPr lang="en-US" dirty="0"/>
           </a:p>
         </p:txBody>
       </p:sp>
@@ -19234,7 +19068,7 @@
         <p:spPr/>
         <p:txBody>
           <a:bodyPr>
-            <a:normAutofit fontScale="92500" lnSpcReduction="20000"/>
+            <a:normAutofit fontScale="85000" lnSpcReduction="20000"/>
           </a:bodyPr>
           <a:lstStyle/>
           <a:p>
@@ -19247,8 +19081,35 @@
             <a:pPr lvl="1"/>
             <a:r>
               <a:rPr lang="en-US" dirty="0" smtClean="0"/>
-              <a:t>Collecting data and reading articles</a:t>
+              <a:t>Collecting data and reading </a:t>
             </a:r>
+            <a:r>
+              <a:rPr lang="en-US" dirty="0" smtClean="0"/>
+              <a:t>articles</a:t>
+            </a:r>
+          </a:p>
+          <a:p>
+            <a:pPr lvl="1"/>
+            <a:r>
+              <a:rPr lang="en-US" dirty="0"/>
+              <a:t>The used </a:t>
+            </a:r>
+            <a:r>
+              <a:rPr lang="en-US" dirty="0" smtClean="0"/>
+              <a:t>technology</a:t>
+            </a:r>
+          </a:p>
+          <a:p>
+            <a:pPr lvl="1"/>
+            <a:r>
+              <a:rPr lang="en-US" dirty="0" err="1" smtClean="0"/>
+              <a:t>Blockchain</a:t>
+            </a:r>
+            <a:r>
+              <a:rPr lang="en-US" dirty="0" smtClean="0"/>
+              <a:t> for the optimization</a:t>
+            </a:r>
+            <a:endParaRPr lang="en-US" dirty="0" smtClean="0"/>
           </a:p>
           <a:p>
             <a:pPr marL="349250" lvl="1" indent="0">
@@ -19259,26 +19120,20 @@
           <a:p>
             <a:r>
               <a:rPr lang="en-US" dirty="0" smtClean="0"/>
-              <a:t>What we have to </a:t>
+              <a:t>What we have to do</a:t>
+            </a:r>
+          </a:p>
+          <a:p>
+            <a:pPr lvl="1"/>
+            <a:r>
+              <a:rPr lang="en-US" dirty="0" err="1" smtClean="0"/>
+              <a:t>Blockchain</a:t>
             </a:r>
             <a:r>
               <a:rPr lang="en-US" dirty="0" smtClean="0"/>
-              <a:t>do</a:t>
+              <a:t> for security</a:t>
             </a:r>
-          </a:p>
-          <a:p>
-            <a:pPr lvl="1"/>
-            <a:r>
-              <a:rPr lang="en-US" dirty="0" smtClean="0"/>
-              <a:t>The used technology</a:t>
-            </a:r>
-          </a:p>
-          <a:p>
-            <a:pPr lvl="1"/>
-            <a:r>
-              <a:rPr lang="en-US" dirty="0" smtClean="0"/>
-              <a:t>How the new technologies can help this market from the point of view of security and flexibility</a:t>
-            </a:r>
+            <a:endParaRPr lang="en-US" dirty="0" smtClean="0"/>
           </a:p>
           <a:p>
             <a:pPr lvl="1"/>
@@ -19286,7 +19141,6 @@
               <a:rPr lang="en-US" dirty="0" smtClean="0"/>
               <a:t>Design</a:t>
             </a:r>
-            <a:endParaRPr lang="en-US" dirty="0" smtClean="0"/>
           </a:p>
           <a:p>
             <a:endParaRPr lang="en-US" dirty="0"/>
@@ -19345,9 +19199,8 @@
           <a:p>
             <a:r>
               <a:rPr lang="en-US" dirty="0"/>
-              <a:t>Technology Analysis</a:t>
+              <a:t>Law and Public policy</a:t>
             </a:r>
-            <a:endParaRPr lang="en-US" dirty="0"/>
           </a:p>
         </p:txBody>
       </p:sp>
@@ -19364,43 +19217,80 @@
         <p:spPr/>
         <p:txBody>
           <a:bodyPr>
-            <a:normAutofit/>
+            <a:normAutofit fontScale="85000" lnSpcReduction="20000"/>
           </a:bodyPr>
           <a:lstStyle/>
           <a:p>
             <a:r>
               <a:rPr lang="en-US" dirty="0" smtClean="0"/>
-              <a:t>Why we are late</a:t>
+              <a:t>What we have done</a:t>
             </a:r>
-            <a:endParaRPr lang="en-US" dirty="0" smtClean="0"/>
           </a:p>
           <a:p>
             <a:pPr lvl="1"/>
             <a:r>
               <a:rPr lang="en-US" dirty="0" smtClean="0"/>
-              <a:t>The collected data are not statistics</a:t>
+              <a:t>Carpooling policies in some countries</a:t>
             </a:r>
           </a:p>
           <a:p>
             <a:pPr lvl="1"/>
             <a:r>
               <a:rPr lang="en-US" dirty="0" smtClean="0"/>
-              <a:t>The articles giving subjective point of view</a:t>
+              <a:t>Possible Government actions</a:t>
             </a:r>
-            <a:endParaRPr lang="en-US" dirty="0" smtClean="0"/>
           </a:p>
           <a:p>
             <a:pPr marL="349250" lvl="1" indent="0">
               <a:buNone/>
             </a:pPr>
             <a:endParaRPr lang="en-US" dirty="0" smtClean="0"/>
+          </a:p>
+          <a:p>
+            <a:r>
+              <a:rPr lang="en-US" dirty="0" smtClean="0"/>
+              <a:t>What we have to do</a:t>
+            </a:r>
+          </a:p>
+          <a:p>
+            <a:pPr lvl="1"/>
+            <a:r>
+              <a:rPr lang="en-US" dirty="0"/>
+              <a:t>G</a:t>
+            </a:r>
+            <a:r>
+              <a:rPr lang="en-US" dirty="0" smtClean="0"/>
+              <a:t>overnment actions to protect the users</a:t>
+            </a:r>
+          </a:p>
+          <a:p>
+            <a:pPr lvl="1"/>
+            <a:r>
+              <a:rPr lang="en-US" dirty="0"/>
+              <a:t>Government actions to protect </a:t>
+            </a:r>
+            <a:r>
+              <a:rPr lang="en-US" dirty="0" smtClean="0"/>
+              <a:t>transportation professions</a:t>
+            </a:r>
+            <a:endParaRPr lang="en-US" dirty="0"/>
+          </a:p>
+          <a:p>
+            <a:pPr lvl="1"/>
+            <a:r>
+              <a:rPr lang="en-US" dirty="0" smtClean="0"/>
+              <a:t>Design</a:t>
+            </a:r>
+          </a:p>
+          <a:p>
+            <a:endParaRPr lang="en-US" dirty="0"/>
           </a:p>
         </p:txBody>
       </p:sp>
     </p:spTree>
     <p:extLst>
       <p:ext uri="{BB962C8B-B14F-4D97-AF65-F5344CB8AC3E}">
-        <p14:creationId xmlns:p14="http://schemas.microsoft.com/office/powerpoint/2010/main" val="3137057851"/>
+        <p14:creationId xmlns:p14="http://schemas.microsoft.com/office/powerpoint/2010/main" val="2761878269"/>
       </p:ext>
     </p:extLst>
   </p:cSld>
@@ -19449,7 +19339,7 @@
           <a:p>
             <a:r>
               <a:rPr lang="en-US" dirty="0"/>
-              <a:t>Law and Public policy</a:t>
+              <a:t>Social awareness</a:t>
             </a:r>
           </a:p>
         </p:txBody>
@@ -19473,28 +19363,29 @@
           <a:p>
             <a:r>
               <a:rPr lang="en-US" dirty="0" smtClean="0"/>
-              <a:t>What we have </a:t>
+              <a:t>What we have done</a:t>
             </a:r>
-            <a:r>
-              <a:rPr lang="en-US" dirty="0" smtClean="0"/>
-              <a:t>done</a:t>
-            </a:r>
-            <a:endParaRPr lang="en-US" dirty="0" smtClean="0"/>
           </a:p>
           <a:p>
             <a:pPr lvl="1"/>
             <a:r>
               <a:rPr lang="en-US" dirty="0" smtClean="0"/>
-              <a:t>Carpooling policies in some countries</a:t>
+              <a:t>Typical users of car pooling</a:t>
             </a:r>
           </a:p>
           <a:p>
             <a:pPr lvl="1"/>
             <a:r>
               <a:rPr lang="en-US" dirty="0" smtClean="0"/>
-              <a:t>Possible Government actions</a:t>
+              <a:t>People’s motivations to use car pooling</a:t>
             </a:r>
-            <a:endParaRPr lang="en-US" dirty="0" smtClean="0"/>
+          </a:p>
+          <a:p>
+            <a:pPr lvl="1"/>
+            <a:r>
+              <a:rPr lang="en-US" dirty="0" smtClean="0"/>
+              <a:t>Why people avoid carpooling</a:t>
+            </a:r>
           </a:p>
           <a:p>
             <a:pPr marL="349250" lvl="1" indent="0">
@@ -19505,39 +19396,15 @@
           <a:p>
             <a:r>
               <a:rPr lang="en-US" dirty="0" smtClean="0"/>
-              <a:t>What </a:t>
+              <a:t>What we have to do</a:t>
             </a:r>
+          </a:p>
+          <a:p>
+            <a:pPr lvl="1"/>
             <a:r>
               <a:rPr lang="en-US" dirty="0" smtClean="0"/>
-              <a:t>we have to </a:t>
+              <a:t>Possible evolutions of the business</a:t>
             </a:r>
-            <a:r>
-              <a:rPr lang="en-US" dirty="0" smtClean="0"/>
-              <a:t>do</a:t>
-            </a:r>
-          </a:p>
-          <a:p>
-            <a:pPr lvl="1"/>
-            <a:r>
-              <a:rPr lang="en-US" dirty="0"/>
-              <a:t>G</a:t>
-            </a:r>
-            <a:r>
-              <a:rPr lang="en-US" dirty="0" smtClean="0"/>
-              <a:t>overnment actions to protect the users</a:t>
-            </a:r>
-          </a:p>
-          <a:p>
-            <a:pPr lvl="1"/>
-            <a:r>
-              <a:rPr lang="en-US" dirty="0"/>
-              <a:t>Government actions to protect </a:t>
-            </a:r>
-            <a:r>
-              <a:rPr lang="en-US" dirty="0" smtClean="0"/>
-              <a:t>transportation professions</a:t>
-            </a:r>
-            <a:endParaRPr lang="en-US" dirty="0"/>
           </a:p>
           <a:p>
             <a:pPr lvl="1"/>
@@ -19545,7 +19412,6 @@
               <a:rPr lang="en-US" dirty="0" smtClean="0"/>
               <a:t>Design</a:t>
             </a:r>
-            <a:endParaRPr lang="en-US" dirty="0" smtClean="0"/>
           </a:p>
           <a:p>
             <a:endParaRPr lang="en-US" dirty="0"/>
@@ -19555,7 +19421,7 @@
     </p:spTree>
     <p:extLst>
       <p:ext uri="{BB962C8B-B14F-4D97-AF65-F5344CB8AC3E}">
-        <p14:creationId xmlns:p14="http://schemas.microsoft.com/office/powerpoint/2010/main" val="2761878269"/>
+        <p14:creationId xmlns:p14="http://schemas.microsoft.com/office/powerpoint/2010/main" val="1594158151"/>
       </p:ext>
     </p:extLst>
   </p:cSld>
